--- a/AWS-FinalProject-MJS.pptx
+++ b/AWS-FinalProject-MJS.pptx
@@ -8508,7 +8508,7 @@
         <p:spPr>
           <a:xfrm>
             <a:off x="6867359" y="1826139"/>
-            <a:ext cx="5213178" cy="4708981"/>
+            <a:ext cx="5213178" cy="5078313"/>
           </a:xfrm>
           <a:prstGeom prst="rect">
             <a:avLst/>
@@ -8691,8 +8691,19 @@
           <a:p>
             <a:r>
               <a:rPr lang="en-CA" sz="1200" i="1" dirty="0"/>
-              <a:t>From ECR, Jenkins pull image and deploy into EKS with required version of your application.</a:t>
+              <a:t>From ECR, Jenkins pull image and deploy into EKS with required version of your application. EKS is created through </a:t>
             </a:r>
+            <a:r>
+              <a:rPr lang="en-CA" sz="1200" i="1" dirty="0" err="1"/>
+              <a:t>Cloudformation</a:t>
+            </a:r>
+            <a:r>
+              <a:rPr lang="en-CA" sz="1200" i="1" dirty="0"/>
+              <a:t> template in Jenkins</a:t>
+            </a:r>
+          </a:p>
+          <a:p>
+            <a:endParaRPr lang="en-CA" sz="1200" i="1" dirty="0"/>
           </a:p>
         </p:txBody>
       </p:sp>

--- a/AWS-FinalProject-MJS.pptx
+++ b/AWS-FinalProject-MJS.pptx
@@ -6,7 +6,7 @@
     <p:sldMasterId id="2147483662" r:id="rId2"/>
   </p:sldMasterIdLst>
   <p:notesMasterIdLst>
-    <p:notesMasterId r:id="rId8"/>
+    <p:notesMasterId r:id="rId9"/>
   </p:notesMasterIdLst>
   <p:sldIdLst>
     <p:sldId id="256" r:id="rId3"/>
@@ -14,6 +14,7 @@
     <p:sldId id="269" r:id="rId5"/>
     <p:sldId id="259" r:id="rId6"/>
     <p:sldId id="267" r:id="rId7"/>
+    <p:sldId id="270" r:id="rId8"/>
   </p:sldIdLst>
   <p:sldSz cx="12188825" cy="6858000"/>
   <p:notesSz cx="6858000" cy="9144000"/>
@@ -6259,7 +6260,7 @@
         <p:spPr>
           <a:xfrm>
             <a:off x="661011" y="1081659"/>
-            <a:ext cx="11111554" cy="1354217"/>
+            <a:ext cx="11111554" cy="830997"/>
           </a:xfrm>
           <a:prstGeom prst="rect">
             <a:avLst/>
@@ -6278,20 +6279,15 @@
             </a:r>
             <a:r>
               <a:rPr lang="en-CA" sz="1600" dirty="0"/>
-              <a:t> explore and implement highly scalable fault tolerant and Highly Available Infra setup with Continuous Integration and Continuous Deployment (CI/CD) pipeline using AWS native services.</a:t>
+              <a:t> explore and implement highly scalable fault tolerant and Highly Available Infra setup with Continuous Integration and Continuous Deployment (CI/CD) pipeline using AWS native services. </a:t>
             </a:r>
-          </a:p>
-          <a:p>
-            <a:endParaRPr lang="en-CA" sz="1800" dirty="0"/>
-          </a:p>
-          <a:p>
             <a:r>
               <a:rPr lang="en-CA" sz="1600" dirty="0">
                 <a:solidFill>
                   <a:schemeClr val="tx1"/>
                 </a:solidFill>
               </a:rPr>
-              <a:t>It will focuses on the technical architecture, our implementation journey, and the lessons learned.</a:t>
+              <a:t>It will focus on the technical architecture, our implementation journey, and the lessons learned.</a:t>
             </a:r>
             <a:endParaRPr lang="en-US" sz="1600" dirty="0">
               <a:solidFill>
@@ -6315,8 +6311,8 @@
         </p:nvSpPr>
         <p:spPr>
           <a:xfrm>
-            <a:off x="661011" y="2993688"/>
-            <a:ext cx="4867076" cy="3354765"/>
+            <a:off x="660217" y="2930627"/>
+            <a:ext cx="4867076" cy="2492990"/>
           </a:xfrm>
           <a:prstGeom prst="rect">
             <a:avLst/>
@@ -6344,23 +6340,7 @@
             </a:r>
             <a:r>
               <a:rPr lang="en-CA" dirty="0"/>
-              <a:t> A walkthrough of our CI/CD pipeline, detailing the integration of services like </a:t>
-            </a:r>
-            <a:r>
-              <a:rPr lang="en-CA" dirty="0" err="1"/>
-              <a:t>CodePipeline</a:t>
-            </a:r>
-            <a:r>
-              <a:rPr lang="en-CA" dirty="0"/>
-              <a:t>, </a:t>
-            </a:r>
-            <a:r>
-              <a:rPr lang="en-CA" dirty="0" err="1"/>
-              <a:t>CodeBuild</a:t>
-            </a:r>
-            <a:r>
-              <a:rPr lang="en-CA" dirty="0"/>
-              <a:t>, EKS, and ECS for our "Events API" and "Events Website" applications.</a:t>
+              <a:t> A walkthrough of our CI/CD pipeline, detailing the integration of services like Code Pipeline, Code Build, EKS, and ECS for our "Events API" and "Events Website" applications.</a:t>
             </a:r>
           </a:p>
           <a:p>
@@ -6379,19 +6359,6 @@
           <a:p>
             <a:endParaRPr lang="en-CA" b="1" dirty="0"/>
           </a:p>
-          <a:p>
-            <a:r>
-              <a:rPr lang="en-CA" b="1" dirty="0"/>
-              <a:t>Challenges &amp; Learnings:</a:t>
-            </a:r>
-            <a:r>
-              <a:rPr lang="en-CA" dirty="0"/>
-              <a:t> An honest look at the technical hurdles encountered, limitations within the tooling, and key takeaways from this pilot project.</a:t>
-            </a:r>
-          </a:p>
-          <a:p>
-            <a:endParaRPr lang="en-US" dirty="0"/>
-          </a:p>
         </p:txBody>
       </p:sp>
       <p:sp>
@@ -6408,7 +6375,7 @@
         </p:nvSpPr>
         <p:spPr>
           <a:xfrm>
-            <a:off x="6660738" y="2993688"/>
+            <a:off x="6660738" y="2531233"/>
             <a:ext cx="5111827" cy="3139321"/>
           </a:xfrm>
           <a:prstGeom prst="rect">
@@ -6484,7 +6451,7 @@
         </p:nvCxnSpPr>
         <p:spPr>
           <a:xfrm>
-            <a:off x="6094015" y="2993688"/>
+            <a:off x="6094015" y="2531233"/>
             <a:ext cx="0" cy="3495247"/>
           </a:xfrm>
           <a:prstGeom prst="line">
@@ -11373,6 +11340,78 @@
             </a:pPr>
             <a:r>
               <a:rPr lang="en-US" dirty="0"/>
+              <a:t>Demo</a:t>
+            </a:r>
+          </a:p>
+        </p:txBody>
+      </p:sp>
+    </p:spTree>
+    <p:extLst>
+      <p:ext uri="{BB962C8B-B14F-4D97-AF65-F5344CB8AC3E}">
+        <p14:creationId xmlns:p14="http://schemas.microsoft.com/office/powerpoint/2010/main" val="1664685129"/>
+      </p:ext>
+    </p:extLst>
+  </p:cSld>
+  <p:clrMapOvr>
+    <a:masterClrMapping/>
+  </p:clrMapOvr>
+</p:sld>
+</file>
+
+<file path=ppt/slides/slide6.xml><?xml version="1.0" encoding="utf-8"?>
+<p:sld xmlns:a="http://schemas.openxmlformats.org/drawingml/2006/main" xmlns:r="http://schemas.openxmlformats.org/officeDocument/2006/relationships" xmlns:p="http://schemas.openxmlformats.org/presentationml/2006/main">
+  <p:cSld>
+    <p:spTree>
+      <p:nvGrpSpPr>
+        <p:cNvPr id="1" name="">
+          <a:extLst>
+            <a:ext uri="{FF2B5EF4-FFF2-40B4-BE49-F238E27FC236}">
+              <a16:creationId xmlns:a16="http://schemas.microsoft.com/office/drawing/2014/main" id="{BF707715-B40B-3972-3746-91A11FB3A012}"/>
+            </a:ext>
+          </a:extLst>
+        </p:cNvPr>
+        <p:cNvGrpSpPr/>
+        <p:nvPr/>
+      </p:nvGrpSpPr>
+      <p:grpSpPr>
+        <a:xfrm>
+          <a:off x="0" y="0"/>
+          <a:ext cx="0" cy="0"/>
+          <a:chOff x="0" y="0"/>
+          <a:chExt cx="0" cy="0"/>
+        </a:xfrm>
+      </p:grpSpPr>
+      <p:sp>
+        <p:nvSpPr>
+          <p:cNvPr id="4" name="Title 3">
+            <a:extLst>
+              <a:ext uri="{FF2B5EF4-FFF2-40B4-BE49-F238E27FC236}">
+                <a16:creationId xmlns:a16="http://schemas.microsoft.com/office/drawing/2014/main" id="{8AA5041D-DD5A-A5DD-5D0E-4A7AAE1DAB42}"/>
+              </a:ext>
+            </a:extLst>
+          </p:cNvPr>
+          <p:cNvSpPr>
+            <a:spLocks noGrp="1"/>
+          </p:cNvSpPr>
+          <p:nvPr>
+            <p:ph type="title"/>
+          </p:nvPr>
+        </p:nvSpPr>
+        <p:spPr>
+          <a:xfrm>
+            <a:off x="232265" y="2665500"/>
+            <a:ext cx="11215500" cy="763500"/>
+          </a:xfrm>
+        </p:spPr>
+        <p:txBody>
+          <a:bodyPr/>
+          <a:lstStyle/>
+          <a:p>
+            <a:pPr>
+              <a:buNone/>
+            </a:pPr>
+            <a:r>
+              <a:rPr lang="en-US" dirty="0"/>
               <a:t>THANK YOU</a:t>
             </a:r>
           </a:p>
@@ -11381,7 +11420,7 @@
     </p:spTree>
     <p:extLst>
       <p:ext uri="{BB962C8B-B14F-4D97-AF65-F5344CB8AC3E}">
-        <p14:creationId xmlns:p14="http://schemas.microsoft.com/office/powerpoint/2010/main" val="1664685129"/>
+        <p14:creationId xmlns:p14="http://schemas.microsoft.com/office/powerpoint/2010/main" val="796039253"/>
       </p:ext>
     </p:extLst>
   </p:cSld>
